--- a/face_detectives_v1.0.pptx
+++ b/face_detectives_v1.0.pptx
@@ -12,6 +12,7 @@
     <p:sldId id="260" r:id="rId6"/>
     <p:sldId id="261" r:id="rId7"/>
     <p:sldId id="262" r:id="rId8"/>
+    <p:sldId id="264" r:id="rId9"/>
   </p:sldIdLst>
   <p:sldSz cx="9144000" cy="6858000" type="screen4x3"/>
   <p:notesSz cx="6858000" cy="9144000"/>
@@ -3176,6 +3177,36 @@
           </a:p>
         </p:txBody>
       </p:sp>
+      <p:pic>
+        <p:nvPicPr>
+          <p:cNvPr id="4" name="Picture 3">
+            <a:extLst>
+              <a:ext uri="{FF2B5EF4-FFF2-40B4-BE49-F238E27FC236}">
+                <a16:creationId xmlns:a16="http://schemas.microsoft.com/office/drawing/2014/main" id="{14DC2275-BE79-4E73-A580-A454BEF34835}"/>
+              </a:ext>
+            </a:extLst>
+          </p:cNvPr>
+          <p:cNvPicPr>
+            <a:picLocks noChangeAspect="1"/>
+          </p:cNvPicPr>
+          <p:nvPr/>
+        </p:nvPicPr>
+        <p:blipFill>
+          <a:blip r:embed="rId2"/>
+          <a:stretch>
+            <a:fillRect/>
+          </a:stretch>
+        </p:blipFill>
+        <p:spPr>
+          <a:xfrm>
+            <a:off x="701413" y="2552993"/>
+            <a:ext cx="5060118" cy="3939881"/>
+          </a:xfrm>
+          <a:prstGeom prst="rect">
+            <a:avLst/>
+          </a:prstGeom>
+        </p:spPr>
+      </p:pic>
     </p:spTree>
     <p:extLst>
       <p:ext uri="{BB962C8B-B14F-4D97-AF65-F5344CB8AC3E}">
@@ -3504,6 +3535,12 @@
               <a:t>Used deep features for recognition and verification</a:t>
             </a:r>
           </a:p>
+          <a:p>
+            <a:r>
+              <a:rPr lang="en-US" dirty="0"/>
+              <a:t>Linked face detector and face recognizer </a:t>
+            </a:r>
+          </a:p>
         </p:txBody>
       </p:sp>
     </p:spTree>
@@ -3591,6 +3628,18 @@
             </a:r>
           </a:p>
           <a:p>
+            <a:r>
+              <a:rPr lang="en-US" dirty="0"/>
+              <a:t>Tested on an image with multiple faces</a:t>
+            </a:r>
+          </a:p>
+          <a:p>
+            <a:r>
+              <a:rPr lang="en-US" dirty="0"/>
+              <a:t>All faces (that the model was not trained on) are detected and identified correctly</a:t>
+            </a:r>
+          </a:p>
+          <a:p>
             <a:endParaRPr lang="en-US" dirty="0"/>
           </a:p>
         </p:txBody>
@@ -3599,6 +3648,87 @@
     <p:extLst>
       <p:ext uri="{BB962C8B-B14F-4D97-AF65-F5344CB8AC3E}">
         <p14:creationId xmlns:p14="http://schemas.microsoft.com/office/powerpoint/2010/main" val="678014332"/>
+      </p:ext>
+    </p:extLst>
+  </p:cSld>
+  <p:clrMapOvr>
+    <a:masterClrMapping/>
+  </p:clrMapOvr>
+</p:sld>
+</file>
+
+<file path=ppt/slides/slide8.xml><?xml version="1.0" encoding="utf-8"?>
+<p:sld xmlns:a="http://schemas.openxmlformats.org/drawingml/2006/main" xmlns:r="http://schemas.openxmlformats.org/officeDocument/2006/relationships" xmlns:p="http://schemas.openxmlformats.org/presentationml/2006/main">
+  <p:cSld>
+    <p:spTree>
+      <p:nvGrpSpPr>
+        <p:cNvPr id="1" name=""/>
+        <p:cNvGrpSpPr/>
+        <p:nvPr/>
+      </p:nvGrpSpPr>
+      <p:grpSpPr>
+        <a:xfrm>
+          <a:off x="0" y="0"/>
+          <a:ext cx="0" cy="0"/>
+          <a:chOff x="0" y="0"/>
+          <a:chExt cx="0" cy="0"/>
+        </a:xfrm>
+      </p:grpSpPr>
+      <p:sp>
+        <p:nvSpPr>
+          <p:cNvPr id="2" name="Title 1"/>
+          <p:cNvSpPr>
+            <a:spLocks noGrp="1"/>
+          </p:cNvSpPr>
+          <p:nvPr>
+            <p:ph type="title"/>
+          </p:nvPr>
+        </p:nvSpPr>
+        <p:spPr/>
+        <p:txBody>
+          <a:bodyPr/>
+          <a:lstStyle/>
+          <a:p>
+            <a:r>
+              <a:rPr lang="en-US" dirty="0"/>
+              <a:t>3. Bonus: Results</a:t>
+            </a:r>
+          </a:p>
+        </p:txBody>
+      </p:sp>
+      <p:pic>
+        <p:nvPicPr>
+          <p:cNvPr id="4" name="Content Placeholder 4">
+            <a:extLst>
+              <a:ext uri="{FF2B5EF4-FFF2-40B4-BE49-F238E27FC236}">
+                <a16:creationId xmlns:a16="http://schemas.microsoft.com/office/drawing/2014/main" id="{7AC25DE7-7342-428E-8B17-F3504EA15153}"/>
+              </a:ext>
+            </a:extLst>
+          </p:cNvPr>
+          <p:cNvPicPr>
+            <a:picLocks noGrp="1" noChangeAspect="1"/>
+          </p:cNvPicPr>
+          <p:nvPr>
+            <p:ph idx="1"/>
+          </p:nvPr>
+        </p:nvPicPr>
+        <p:blipFill>
+          <a:blip r:embed="rId2"/>
+          <a:stretch>
+            <a:fillRect/>
+          </a:stretch>
+        </p:blipFill>
+        <p:spPr>
+          <a:xfrm>
+            <a:off x="292963" y="1518082"/>
+            <a:ext cx="5752595" cy="4824336"/>
+          </a:xfrm>
+        </p:spPr>
+      </p:pic>
+    </p:spTree>
+    <p:extLst>
+      <p:ext uri="{BB962C8B-B14F-4D97-AF65-F5344CB8AC3E}">
+        <p14:creationId xmlns:p14="http://schemas.microsoft.com/office/powerpoint/2010/main" val="1497415639"/>
       </p:ext>
     </p:extLst>
   </p:cSld>
